--- a/presentation/pipeline.pptx
+++ b/presentation/pipeline.pptx
@@ -10,12 +10,6 @@
     <p:sldId id="266" r:id="rId4"/>
     <p:sldId id="258" r:id="rId5"/>
     <p:sldId id="259" r:id="rId6"/>
-    <p:sldId id="260" r:id="rId7"/>
-    <p:sldId id="261" r:id="rId8"/>
-    <p:sldId id="262" r:id="rId9"/>
-    <p:sldId id="263" r:id="rId10"/>
-    <p:sldId id="264" r:id="rId11"/>
-    <p:sldId id="265" r:id="rId12"/>
   </p:sldIdLst>
   <p:sldSz cx="12192000" cy="6858000"/>
   <p:notesSz cx="6858000" cy="9144000"/>
@@ -114,6 +108,11 @@
       </a:defRPr>
     </a:lvl9pPr>
   </p:defaultTextStyle>
+  <p:extLst>
+    <p:ext uri="{EFAFB233-063F-42B5-8137-9DF3F51BA10A}">
+      <p15:sldGuideLst xmlns:p15="http://schemas.microsoft.com/office/powerpoint/2012/main"/>
+    </p:ext>
+  </p:extLst>
 </p:presentation>
 </file>
 
@@ -159,10 +158,9 @@
           </a:lstStyle>
           <a:p>
             <a:r>
-              <a:rPr lang="zh-CN" altLang="en-US" smtClean="0"/>
+              <a:rPr lang="zh-CN" altLang="en-US"/>
               <a:t>单击此处编辑母版标题样式</a:t>
             </a:r>
-            <a:endParaRPr lang="zh-CN" altLang="en-US"/>
           </a:p>
         </p:txBody>
       </p:sp>
@@ -224,10 +222,9 @@
           </a:lstStyle>
           <a:p>
             <a:r>
-              <a:rPr lang="zh-CN" altLang="en-US" smtClean="0"/>
+              <a:rPr lang="zh-CN" altLang="en-US"/>
               <a:t>单击以编辑母版副标题样式</a:t>
             </a:r>
-            <a:endParaRPr lang="zh-CN" altLang="en-US"/>
           </a:p>
         </p:txBody>
       </p:sp>
@@ -342,10 +339,9 @@
           <a:lstStyle/>
           <a:p>
             <a:r>
-              <a:rPr lang="zh-CN" altLang="en-US" smtClean="0"/>
+              <a:rPr lang="zh-CN" altLang="en-US"/>
               <a:t>单击此处编辑母版标题样式</a:t>
             </a:r>
-            <a:endParaRPr lang="zh-CN" altLang="en-US"/>
           </a:p>
         </p:txBody>
       </p:sp>
@@ -366,38 +362,37 @@
           <a:p>
             <a:pPr lvl="0"/>
             <a:r>
-              <a:rPr lang="zh-CN" altLang="en-US" smtClean="0"/>
+              <a:rPr lang="zh-CN" altLang="en-US"/>
               <a:t>编辑母版文本样式</a:t>
             </a:r>
           </a:p>
           <a:p>
             <a:pPr lvl="1"/>
             <a:r>
-              <a:rPr lang="zh-CN" altLang="en-US" smtClean="0"/>
+              <a:rPr lang="zh-CN" altLang="en-US"/>
               <a:t>第二级</a:t>
             </a:r>
           </a:p>
           <a:p>
             <a:pPr lvl="2"/>
             <a:r>
-              <a:rPr lang="zh-CN" altLang="en-US" smtClean="0"/>
+              <a:rPr lang="zh-CN" altLang="en-US"/>
               <a:t>第三级</a:t>
             </a:r>
           </a:p>
           <a:p>
             <a:pPr lvl="3"/>
             <a:r>
-              <a:rPr lang="zh-CN" altLang="en-US" smtClean="0"/>
+              <a:rPr lang="zh-CN" altLang="en-US"/>
               <a:t>第四级</a:t>
             </a:r>
           </a:p>
           <a:p>
             <a:pPr lvl="4"/>
             <a:r>
-              <a:rPr lang="zh-CN" altLang="en-US" smtClean="0"/>
+              <a:rPr lang="zh-CN" altLang="en-US"/>
               <a:t>第五级</a:t>
             </a:r>
-            <a:endParaRPr lang="zh-CN" altLang="en-US"/>
           </a:p>
         </p:txBody>
       </p:sp>
@@ -517,10 +512,9 @@
           <a:lstStyle/>
           <a:p>
             <a:r>
-              <a:rPr lang="zh-CN" altLang="en-US" smtClean="0"/>
+              <a:rPr lang="zh-CN" altLang="en-US"/>
               <a:t>单击此处编辑母版标题样式</a:t>
             </a:r>
-            <a:endParaRPr lang="zh-CN" altLang="en-US"/>
           </a:p>
         </p:txBody>
       </p:sp>
@@ -546,38 +540,37 @@
           <a:p>
             <a:pPr lvl="0"/>
             <a:r>
-              <a:rPr lang="zh-CN" altLang="en-US" smtClean="0"/>
+              <a:rPr lang="zh-CN" altLang="en-US"/>
               <a:t>编辑母版文本样式</a:t>
             </a:r>
           </a:p>
           <a:p>
             <a:pPr lvl="1"/>
             <a:r>
-              <a:rPr lang="zh-CN" altLang="en-US" smtClean="0"/>
+              <a:rPr lang="zh-CN" altLang="en-US"/>
               <a:t>第二级</a:t>
             </a:r>
           </a:p>
           <a:p>
             <a:pPr lvl="2"/>
             <a:r>
-              <a:rPr lang="zh-CN" altLang="en-US" smtClean="0"/>
+              <a:rPr lang="zh-CN" altLang="en-US"/>
               <a:t>第三级</a:t>
             </a:r>
           </a:p>
           <a:p>
             <a:pPr lvl="3"/>
             <a:r>
-              <a:rPr lang="zh-CN" altLang="en-US" smtClean="0"/>
+              <a:rPr lang="zh-CN" altLang="en-US"/>
               <a:t>第四级</a:t>
             </a:r>
           </a:p>
           <a:p>
             <a:pPr lvl="4"/>
             <a:r>
-              <a:rPr lang="zh-CN" altLang="en-US" smtClean="0"/>
+              <a:rPr lang="zh-CN" altLang="en-US"/>
               <a:t>第五级</a:t>
             </a:r>
-            <a:endParaRPr lang="zh-CN" altLang="en-US"/>
           </a:p>
         </p:txBody>
       </p:sp>
@@ -692,10 +685,9 @@
           <a:lstStyle/>
           <a:p>
             <a:r>
-              <a:rPr lang="zh-CN" altLang="en-US" smtClean="0"/>
+              <a:rPr lang="zh-CN" altLang="en-US"/>
               <a:t>单击此处编辑母版标题样式</a:t>
             </a:r>
-            <a:endParaRPr lang="zh-CN" altLang="en-US"/>
           </a:p>
         </p:txBody>
       </p:sp>
@@ -716,38 +708,37 @@
           <a:p>
             <a:pPr lvl="0"/>
             <a:r>
-              <a:rPr lang="zh-CN" altLang="en-US" smtClean="0"/>
+              <a:rPr lang="zh-CN" altLang="en-US"/>
               <a:t>编辑母版文本样式</a:t>
             </a:r>
           </a:p>
           <a:p>
             <a:pPr lvl="1"/>
             <a:r>
-              <a:rPr lang="zh-CN" altLang="en-US" smtClean="0"/>
+              <a:rPr lang="zh-CN" altLang="en-US"/>
               <a:t>第二级</a:t>
             </a:r>
           </a:p>
           <a:p>
             <a:pPr lvl="2"/>
             <a:r>
-              <a:rPr lang="zh-CN" altLang="en-US" smtClean="0"/>
+              <a:rPr lang="zh-CN" altLang="en-US"/>
               <a:t>第三级</a:t>
             </a:r>
           </a:p>
           <a:p>
             <a:pPr lvl="3"/>
             <a:r>
-              <a:rPr lang="zh-CN" altLang="en-US" smtClean="0"/>
+              <a:rPr lang="zh-CN" altLang="en-US"/>
               <a:t>第四级</a:t>
             </a:r>
           </a:p>
           <a:p>
             <a:pPr lvl="4"/>
             <a:r>
-              <a:rPr lang="zh-CN" altLang="en-US" smtClean="0"/>
+              <a:rPr lang="zh-CN" altLang="en-US"/>
               <a:t>第五级</a:t>
             </a:r>
-            <a:endParaRPr lang="zh-CN" altLang="en-US"/>
           </a:p>
         </p:txBody>
       </p:sp>
@@ -871,10 +862,9 @@
           </a:lstStyle>
           <a:p>
             <a:r>
-              <a:rPr lang="zh-CN" altLang="en-US" smtClean="0"/>
+              <a:rPr lang="zh-CN" altLang="en-US"/>
               <a:t>单击此处编辑母版标题样式</a:t>
             </a:r>
-            <a:endParaRPr lang="zh-CN" altLang="en-US"/>
           </a:p>
         </p:txBody>
       </p:sp>
@@ -991,7 +981,7 @@
           <a:p>
             <a:pPr lvl="0"/>
             <a:r>
-              <a:rPr lang="zh-CN" altLang="en-US" smtClean="0"/>
+              <a:rPr lang="zh-CN" altLang="en-US"/>
               <a:t>编辑母版文本样式</a:t>
             </a:r>
           </a:p>
@@ -1108,10 +1098,9 @@
           <a:lstStyle/>
           <a:p>
             <a:r>
-              <a:rPr lang="zh-CN" altLang="en-US" smtClean="0"/>
+              <a:rPr lang="zh-CN" altLang="en-US"/>
               <a:t>单击此处编辑母版标题样式</a:t>
             </a:r>
-            <a:endParaRPr lang="zh-CN" altLang="en-US"/>
           </a:p>
         </p:txBody>
       </p:sp>
@@ -1137,38 +1126,37 @@
           <a:p>
             <a:pPr lvl="0"/>
             <a:r>
-              <a:rPr lang="zh-CN" altLang="en-US" smtClean="0"/>
+              <a:rPr lang="zh-CN" altLang="en-US"/>
               <a:t>编辑母版文本样式</a:t>
             </a:r>
           </a:p>
           <a:p>
             <a:pPr lvl="1"/>
             <a:r>
-              <a:rPr lang="zh-CN" altLang="en-US" smtClean="0"/>
+              <a:rPr lang="zh-CN" altLang="en-US"/>
               <a:t>第二级</a:t>
             </a:r>
           </a:p>
           <a:p>
             <a:pPr lvl="2"/>
             <a:r>
-              <a:rPr lang="zh-CN" altLang="en-US" smtClean="0"/>
+              <a:rPr lang="zh-CN" altLang="en-US"/>
               <a:t>第三级</a:t>
             </a:r>
           </a:p>
           <a:p>
             <a:pPr lvl="3"/>
             <a:r>
-              <a:rPr lang="zh-CN" altLang="en-US" smtClean="0"/>
+              <a:rPr lang="zh-CN" altLang="en-US"/>
               <a:t>第四级</a:t>
             </a:r>
           </a:p>
           <a:p>
             <a:pPr lvl="4"/>
             <a:r>
-              <a:rPr lang="zh-CN" altLang="en-US" smtClean="0"/>
+              <a:rPr lang="zh-CN" altLang="en-US"/>
               <a:t>第五级</a:t>
             </a:r>
-            <a:endParaRPr lang="zh-CN" altLang="en-US"/>
           </a:p>
         </p:txBody>
       </p:sp>
@@ -1194,38 +1182,37 @@
           <a:p>
             <a:pPr lvl="0"/>
             <a:r>
-              <a:rPr lang="zh-CN" altLang="en-US" smtClean="0"/>
+              <a:rPr lang="zh-CN" altLang="en-US"/>
               <a:t>编辑母版文本样式</a:t>
             </a:r>
           </a:p>
           <a:p>
             <a:pPr lvl="1"/>
             <a:r>
-              <a:rPr lang="zh-CN" altLang="en-US" smtClean="0"/>
+              <a:rPr lang="zh-CN" altLang="en-US"/>
               <a:t>第二级</a:t>
             </a:r>
           </a:p>
           <a:p>
             <a:pPr lvl="2"/>
             <a:r>
-              <a:rPr lang="zh-CN" altLang="en-US" smtClean="0"/>
+              <a:rPr lang="zh-CN" altLang="en-US"/>
               <a:t>第三级</a:t>
             </a:r>
           </a:p>
           <a:p>
             <a:pPr lvl="3"/>
             <a:r>
-              <a:rPr lang="zh-CN" altLang="en-US" smtClean="0"/>
+              <a:rPr lang="zh-CN" altLang="en-US"/>
               <a:t>第四级</a:t>
             </a:r>
           </a:p>
           <a:p>
             <a:pPr lvl="4"/>
             <a:r>
-              <a:rPr lang="zh-CN" altLang="en-US" smtClean="0"/>
+              <a:rPr lang="zh-CN" altLang="en-US"/>
               <a:t>第五级</a:t>
             </a:r>
-            <a:endParaRPr lang="zh-CN" altLang="en-US"/>
           </a:p>
         </p:txBody>
       </p:sp>
@@ -1345,10 +1332,9 @@
           <a:lstStyle/>
           <a:p>
             <a:r>
-              <a:rPr lang="zh-CN" altLang="en-US" smtClean="0"/>
+              <a:rPr lang="zh-CN" altLang="en-US"/>
               <a:t>单击此处编辑母版标题样式</a:t>
             </a:r>
-            <a:endParaRPr lang="zh-CN" altLang="en-US"/>
           </a:p>
         </p:txBody>
       </p:sp>
@@ -1411,7 +1397,7 @@
           <a:p>
             <a:pPr lvl="0"/>
             <a:r>
-              <a:rPr lang="zh-CN" altLang="en-US" smtClean="0"/>
+              <a:rPr lang="zh-CN" altLang="en-US"/>
               <a:t>编辑母版文本样式</a:t>
             </a:r>
           </a:p>
@@ -1439,38 +1425,37 @@
           <a:p>
             <a:pPr lvl="0"/>
             <a:r>
-              <a:rPr lang="zh-CN" altLang="en-US" smtClean="0"/>
+              <a:rPr lang="zh-CN" altLang="en-US"/>
               <a:t>编辑母版文本样式</a:t>
             </a:r>
           </a:p>
           <a:p>
             <a:pPr lvl="1"/>
             <a:r>
-              <a:rPr lang="zh-CN" altLang="en-US" smtClean="0"/>
+              <a:rPr lang="zh-CN" altLang="en-US"/>
               <a:t>第二级</a:t>
             </a:r>
           </a:p>
           <a:p>
             <a:pPr lvl="2"/>
             <a:r>
-              <a:rPr lang="zh-CN" altLang="en-US" smtClean="0"/>
+              <a:rPr lang="zh-CN" altLang="en-US"/>
               <a:t>第三级</a:t>
             </a:r>
           </a:p>
           <a:p>
             <a:pPr lvl="3"/>
             <a:r>
-              <a:rPr lang="zh-CN" altLang="en-US" smtClean="0"/>
+              <a:rPr lang="zh-CN" altLang="en-US"/>
               <a:t>第四级</a:t>
             </a:r>
           </a:p>
           <a:p>
             <a:pPr lvl="4"/>
             <a:r>
-              <a:rPr lang="zh-CN" altLang="en-US" smtClean="0"/>
+              <a:rPr lang="zh-CN" altLang="en-US"/>
               <a:t>第五级</a:t>
             </a:r>
-            <a:endParaRPr lang="zh-CN" altLang="en-US"/>
           </a:p>
         </p:txBody>
       </p:sp>
@@ -1533,7 +1518,7 @@
           <a:p>
             <a:pPr lvl="0"/>
             <a:r>
-              <a:rPr lang="zh-CN" altLang="en-US" smtClean="0"/>
+              <a:rPr lang="zh-CN" altLang="en-US"/>
               <a:t>编辑母版文本样式</a:t>
             </a:r>
           </a:p>
@@ -1561,38 +1546,37 @@
           <a:p>
             <a:pPr lvl="0"/>
             <a:r>
-              <a:rPr lang="zh-CN" altLang="en-US" smtClean="0"/>
+              <a:rPr lang="zh-CN" altLang="en-US"/>
               <a:t>编辑母版文本样式</a:t>
             </a:r>
           </a:p>
           <a:p>
             <a:pPr lvl="1"/>
             <a:r>
-              <a:rPr lang="zh-CN" altLang="en-US" smtClean="0"/>
+              <a:rPr lang="zh-CN" altLang="en-US"/>
               <a:t>第二级</a:t>
             </a:r>
           </a:p>
           <a:p>
             <a:pPr lvl="2"/>
             <a:r>
-              <a:rPr lang="zh-CN" altLang="en-US" smtClean="0"/>
+              <a:rPr lang="zh-CN" altLang="en-US"/>
               <a:t>第三级</a:t>
             </a:r>
           </a:p>
           <a:p>
             <a:pPr lvl="3"/>
             <a:r>
-              <a:rPr lang="zh-CN" altLang="en-US" smtClean="0"/>
+              <a:rPr lang="zh-CN" altLang="en-US"/>
               <a:t>第四级</a:t>
             </a:r>
           </a:p>
           <a:p>
             <a:pPr lvl="4"/>
             <a:r>
-              <a:rPr lang="zh-CN" altLang="en-US" smtClean="0"/>
+              <a:rPr lang="zh-CN" altLang="en-US"/>
               <a:t>第五级</a:t>
             </a:r>
-            <a:endParaRPr lang="zh-CN" altLang="en-US"/>
           </a:p>
         </p:txBody>
       </p:sp>
@@ -1707,10 +1691,9 @@
           <a:lstStyle/>
           <a:p>
             <a:r>
-              <a:rPr lang="zh-CN" altLang="en-US" smtClean="0"/>
+              <a:rPr lang="zh-CN" altLang="en-US"/>
               <a:t>单击此处编辑母版标题样式</a:t>
             </a:r>
-            <a:endParaRPr lang="zh-CN" altLang="en-US"/>
           </a:p>
         </p:txBody>
       </p:sp>
@@ -1929,10 +1912,9 @@
           </a:lstStyle>
           <a:p>
             <a:r>
-              <a:rPr lang="zh-CN" altLang="en-US" smtClean="0"/>
+              <a:rPr lang="zh-CN" altLang="en-US"/>
               <a:t>单击此处编辑母版标题样式</a:t>
             </a:r>
-            <a:endParaRPr lang="zh-CN" altLang="en-US"/>
           </a:p>
         </p:txBody>
       </p:sp>
@@ -1986,38 +1968,37 @@
           <a:p>
             <a:pPr lvl="0"/>
             <a:r>
-              <a:rPr lang="zh-CN" altLang="en-US" smtClean="0"/>
+              <a:rPr lang="zh-CN" altLang="en-US"/>
               <a:t>编辑母版文本样式</a:t>
             </a:r>
           </a:p>
           <a:p>
             <a:pPr lvl="1"/>
             <a:r>
-              <a:rPr lang="zh-CN" altLang="en-US" smtClean="0"/>
+              <a:rPr lang="zh-CN" altLang="en-US"/>
               <a:t>第二级</a:t>
             </a:r>
           </a:p>
           <a:p>
             <a:pPr lvl="2"/>
             <a:r>
-              <a:rPr lang="zh-CN" altLang="en-US" smtClean="0"/>
+              <a:rPr lang="zh-CN" altLang="en-US"/>
               <a:t>第三级</a:t>
             </a:r>
           </a:p>
           <a:p>
             <a:pPr lvl="3"/>
             <a:r>
-              <a:rPr lang="zh-CN" altLang="en-US" smtClean="0"/>
+              <a:rPr lang="zh-CN" altLang="en-US"/>
               <a:t>第四级</a:t>
             </a:r>
           </a:p>
           <a:p>
             <a:pPr lvl="4"/>
             <a:r>
-              <a:rPr lang="zh-CN" altLang="en-US" smtClean="0"/>
+              <a:rPr lang="zh-CN" altLang="en-US"/>
               <a:t>第五级</a:t>
             </a:r>
-            <a:endParaRPr lang="zh-CN" altLang="en-US"/>
           </a:p>
         </p:txBody>
       </p:sp>
@@ -2080,7 +2061,7 @@
           <a:p>
             <a:pPr lvl="0"/>
             <a:r>
-              <a:rPr lang="zh-CN" altLang="en-US" smtClean="0"/>
+              <a:rPr lang="zh-CN" altLang="en-US"/>
               <a:t>编辑母版文本样式</a:t>
             </a:r>
           </a:p>
@@ -2206,10 +2187,9 @@
           </a:lstStyle>
           <a:p>
             <a:r>
-              <a:rPr lang="zh-CN" altLang="en-US" smtClean="0"/>
+              <a:rPr lang="zh-CN" altLang="en-US"/>
               <a:t>单击此处编辑母版标题样式</a:t>
             </a:r>
-            <a:endParaRPr lang="zh-CN" altLang="en-US"/>
           </a:p>
         </p:txBody>
       </p:sp>
@@ -2333,7 +2313,7 @@
           <a:p>
             <a:pPr lvl="0"/>
             <a:r>
-              <a:rPr lang="zh-CN" altLang="en-US" smtClean="0"/>
+              <a:rPr lang="zh-CN" altLang="en-US"/>
               <a:t>编辑母版文本样式</a:t>
             </a:r>
           </a:p>
@@ -2465,10 +2445,9 @@
           <a:lstStyle/>
           <a:p>
             <a:r>
-              <a:rPr lang="zh-CN" altLang="en-US" smtClean="0"/>
+              <a:rPr lang="zh-CN" altLang="en-US"/>
               <a:t>单击此处编辑母版标题样式</a:t>
             </a:r>
-            <a:endParaRPr lang="zh-CN" altLang="en-US"/>
           </a:p>
         </p:txBody>
       </p:sp>
@@ -2499,38 +2478,37 @@
           <a:p>
             <a:pPr lvl="0"/>
             <a:r>
-              <a:rPr lang="zh-CN" altLang="en-US" smtClean="0"/>
+              <a:rPr lang="zh-CN" altLang="en-US"/>
               <a:t>编辑母版文本样式</a:t>
             </a:r>
           </a:p>
           <a:p>
             <a:pPr lvl="1"/>
             <a:r>
-              <a:rPr lang="zh-CN" altLang="en-US" smtClean="0"/>
+              <a:rPr lang="zh-CN" altLang="en-US"/>
               <a:t>第二级</a:t>
             </a:r>
           </a:p>
           <a:p>
             <a:pPr lvl="2"/>
             <a:r>
-              <a:rPr lang="zh-CN" altLang="en-US" smtClean="0"/>
+              <a:rPr lang="zh-CN" altLang="en-US"/>
               <a:t>第三级</a:t>
             </a:r>
           </a:p>
           <a:p>
             <a:pPr lvl="3"/>
             <a:r>
-              <a:rPr lang="zh-CN" altLang="en-US" smtClean="0"/>
+              <a:rPr lang="zh-CN" altLang="en-US"/>
               <a:t>第四级</a:t>
             </a:r>
           </a:p>
           <a:p>
             <a:pPr lvl="4"/>
             <a:r>
-              <a:rPr lang="zh-CN" altLang="en-US" smtClean="0"/>
+              <a:rPr lang="zh-CN" altLang="en-US"/>
               <a:t>第五级</a:t>
             </a:r>
-            <a:endParaRPr lang="zh-CN" altLang="en-US"/>
           </a:p>
         </p:txBody>
       </p:sp>
@@ -3707,80 +3685,6 @@
 </p:sld>
 </file>
 
-<file path=ppt/slides/slide10.xml><?xml version="1.0" encoding="utf-8"?>
-<p:sld xmlns:a="http://schemas.openxmlformats.org/drawingml/2006/main" xmlns:r="http://schemas.openxmlformats.org/officeDocument/2006/relationships" xmlns:p="http://schemas.openxmlformats.org/presentationml/2006/main">
-  <p:cSld>
-    <p:spTree>
-      <p:nvGrpSpPr>
-        <p:cNvPr id="1" name=""/>
-        <p:cNvGrpSpPr/>
-        <p:nvPr/>
-      </p:nvGrpSpPr>
-      <p:grpSpPr>
-        <a:xfrm>
-          <a:off x="0" y="0"/>
-          <a:ext cx="0" cy="0"/>
-          <a:chOff x="0" y="0"/>
-          <a:chExt cx="0" cy="0"/>
-        </a:xfrm>
-      </p:grpSpPr>
-    </p:spTree>
-    <p:extLst>
-      <p:ext uri="{BB962C8B-B14F-4D97-AF65-F5344CB8AC3E}">
-        <p14:creationId xmlns:p14="http://schemas.microsoft.com/office/powerpoint/2010/main" val="1529985010"/>
-      </p:ext>
-    </p:extLst>
-  </p:cSld>
-  <p:clrMapOvr>
-    <a:masterClrMapping/>
-  </p:clrMapOvr>
-  <p:timing>
-    <p:tnLst>
-      <p:par>
-        <p:cTn id="1" dur="indefinite" restart="never" nodeType="tmRoot"/>
-      </p:par>
-    </p:tnLst>
-  </p:timing>
-</p:sld>
-</file>
-
-<file path=ppt/slides/slide11.xml><?xml version="1.0" encoding="utf-8"?>
-<p:sld xmlns:a="http://schemas.openxmlformats.org/drawingml/2006/main" xmlns:r="http://schemas.openxmlformats.org/officeDocument/2006/relationships" xmlns:p="http://schemas.openxmlformats.org/presentationml/2006/main">
-  <p:cSld>
-    <p:spTree>
-      <p:nvGrpSpPr>
-        <p:cNvPr id="1" name=""/>
-        <p:cNvGrpSpPr/>
-        <p:nvPr/>
-      </p:nvGrpSpPr>
-      <p:grpSpPr>
-        <a:xfrm>
-          <a:off x="0" y="0"/>
-          <a:ext cx="0" cy="0"/>
-          <a:chOff x="0" y="0"/>
-          <a:chExt cx="0" cy="0"/>
-        </a:xfrm>
-      </p:grpSpPr>
-    </p:spTree>
-    <p:extLst>
-      <p:ext uri="{BB962C8B-B14F-4D97-AF65-F5344CB8AC3E}">
-        <p14:creationId xmlns:p14="http://schemas.microsoft.com/office/powerpoint/2010/main" val="3245767997"/>
-      </p:ext>
-    </p:extLst>
-  </p:cSld>
-  <p:clrMapOvr>
-    <a:masterClrMapping/>
-  </p:clrMapOvr>
-  <p:timing>
-    <p:tnLst>
-      <p:par>
-        <p:cTn id="1" dur="indefinite" restart="never" nodeType="tmRoot"/>
-      </p:par>
-    </p:tnLst>
-  </p:timing>
-</p:sld>
-</file>
-
 <file path=ppt/slides/slide2.xml><?xml version="1.0" encoding="utf-8"?>
 <p:sld xmlns:a="http://schemas.openxmlformats.org/drawingml/2006/main" xmlns:r="http://schemas.openxmlformats.org/officeDocument/2006/relationships" xmlns:p="http://schemas.openxmlformats.org/presentationml/2006/main">
   <p:cSld>
@@ -3904,13 +3808,6 @@
   <p:clrMapOvr>
     <a:masterClrMapping/>
   </p:clrMapOvr>
-  <p:timing>
-    <p:tnLst>
-      <p:par>
-        <p:cTn id="1" dur="indefinite" restart="never" nodeType="tmRoot"/>
-      </p:par>
-    </p:tnLst>
-  </p:timing>
 </p:sld>
 </file>
 
@@ -6611,154 +6508,6 @@
 </p:sld>
 </file>
 
-<file path=ppt/slides/slide6.xml><?xml version="1.0" encoding="utf-8"?>
-<p:sld xmlns:a="http://schemas.openxmlformats.org/drawingml/2006/main" xmlns:r="http://schemas.openxmlformats.org/officeDocument/2006/relationships" xmlns:p="http://schemas.openxmlformats.org/presentationml/2006/main">
-  <p:cSld>
-    <p:spTree>
-      <p:nvGrpSpPr>
-        <p:cNvPr id="1" name=""/>
-        <p:cNvGrpSpPr/>
-        <p:nvPr/>
-      </p:nvGrpSpPr>
-      <p:grpSpPr>
-        <a:xfrm>
-          <a:off x="0" y="0"/>
-          <a:ext cx="0" cy="0"/>
-          <a:chOff x="0" y="0"/>
-          <a:chExt cx="0" cy="0"/>
-        </a:xfrm>
-      </p:grpSpPr>
-    </p:spTree>
-    <p:extLst>
-      <p:ext uri="{BB962C8B-B14F-4D97-AF65-F5344CB8AC3E}">
-        <p14:creationId xmlns:p14="http://schemas.microsoft.com/office/powerpoint/2010/main" val="763902960"/>
-      </p:ext>
-    </p:extLst>
-  </p:cSld>
-  <p:clrMapOvr>
-    <a:masterClrMapping/>
-  </p:clrMapOvr>
-  <p:timing>
-    <p:tnLst>
-      <p:par>
-        <p:cTn id="1" dur="indefinite" restart="never" nodeType="tmRoot"/>
-      </p:par>
-    </p:tnLst>
-  </p:timing>
-</p:sld>
-</file>
-
-<file path=ppt/slides/slide7.xml><?xml version="1.0" encoding="utf-8"?>
-<p:sld xmlns:a="http://schemas.openxmlformats.org/drawingml/2006/main" xmlns:r="http://schemas.openxmlformats.org/officeDocument/2006/relationships" xmlns:p="http://schemas.openxmlformats.org/presentationml/2006/main">
-  <p:cSld>
-    <p:spTree>
-      <p:nvGrpSpPr>
-        <p:cNvPr id="1" name=""/>
-        <p:cNvGrpSpPr/>
-        <p:nvPr/>
-      </p:nvGrpSpPr>
-      <p:grpSpPr>
-        <a:xfrm>
-          <a:off x="0" y="0"/>
-          <a:ext cx="0" cy="0"/>
-          <a:chOff x="0" y="0"/>
-          <a:chExt cx="0" cy="0"/>
-        </a:xfrm>
-      </p:grpSpPr>
-    </p:spTree>
-    <p:extLst>
-      <p:ext uri="{BB962C8B-B14F-4D97-AF65-F5344CB8AC3E}">
-        <p14:creationId xmlns:p14="http://schemas.microsoft.com/office/powerpoint/2010/main" val="528265908"/>
-      </p:ext>
-    </p:extLst>
-  </p:cSld>
-  <p:clrMapOvr>
-    <a:masterClrMapping/>
-  </p:clrMapOvr>
-  <p:timing>
-    <p:tnLst>
-      <p:par>
-        <p:cTn id="1" dur="indefinite" restart="never" nodeType="tmRoot"/>
-      </p:par>
-    </p:tnLst>
-  </p:timing>
-</p:sld>
-</file>
-
-<file path=ppt/slides/slide8.xml><?xml version="1.0" encoding="utf-8"?>
-<p:sld xmlns:a="http://schemas.openxmlformats.org/drawingml/2006/main" xmlns:r="http://schemas.openxmlformats.org/officeDocument/2006/relationships" xmlns:p="http://schemas.openxmlformats.org/presentationml/2006/main">
-  <p:cSld>
-    <p:spTree>
-      <p:nvGrpSpPr>
-        <p:cNvPr id="1" name=""/>
-        <p:cNvGrpSpPr/>
-        <p:nvPr/>
-      </p:nvGrpSpPr>
-      <p:grpSpPr>
-        <a:xfrm>
-          <a:off x="0" y="0"/>
-          <a:ext cx="0" cy="0"/>
-          <a:chOff x="0" y="0"/>
-          <a:chExt cx="0" cy="0"/>
-        </a:xfrm>
-      </p:grpSpPr>
-    </p:spTree>
-    <p:extLst>
-      <p:ext uri="{BB962C8B-B14F-4D97-AF65-F5344CB8AC3E}">
-        <p14:creationId xmlns:p14="http://schemas.microsoft.com/office/powerpoint/2010/main" val="2338572394"/>
-      </p:ext>
-    </p:extLst>
-  </p:cSld>
-  <p:clrMapOvr>
-    <a:masterClrMapping/>
-  </p:clrMapOvr>
-  <p:timing>
-    <p:tnLst>
-      <p:par>
-        <p:cTn id="1" dur="indefinite" restart="never" nodeType="tmRoot"/>
-      </p:par>
-    </p:tnLst>
-  </p:timing>
-</p:sld>
-</file>
-
-<file path=ppt/slides/slide9.xml><?xml version="1.0" encoding="utf-8"?>
-<p:sld xmlns:a="http://schemas.openxmlformats.org/drawingml/2006/main" xmlns:r="http://schemas.openxmlformats.org/officeDocument/2006/relationships" xmlns:p="http://schemas.openxmlformats.org/presentationml/2006/main">
-  <p:cSld>
-    <p:spTree>
-      <p:nvGrpSpPr>
-        <p:cNvPr id="1" name=""/>
-        <p:cNvGrpSpPr/>
-        <p:nvPr/>
-      </p:nvGrpSpPr>
-      <p:grpSpPr>
-        <a:xfrm>
-          <a:off x="0" y="0"/>
-          <a:ext cx="0" cy="0"/>
-          <a:chOff x="0" y="0"/>
-          <a:chExt cx="0" cy="0"/>
-        </a:xfrm>
-      </p:grpSpPr>
-    </p:spTree>
-    <p:extLst>
-      <p:ext uri="{BB962C8B-B14F-4D97-AF65-F5344CB8AC3E}">
-        <p14:creationId xmlns:p14="http://schemas.microsoft.com/office/powerpoint/2010/main" val="1234297584"/>
-      </p:ext>
-    </p:extLst>
-  </p:cSld>
-  <p:clrMapOvr>
-    <a:masterClrMapping/>
-  </p:clrMapOvr>
-  <p:timing>
-    <p:tnLst>
-      <p:par>
-        <p:cTn id="1" dur="indefinite" restart="never" nodeType="tmRoot"/>
-      </p:par>
-    </p:tnLst>
-  </p:timing>
-</p:sld>
-</file>
-
 <file path=ppt/theme/theme1.xml><?xml version="1.0" encoding="utf-8"?>
 <a:theme xmlns:a="http://schemas.openxmlformats.org/drawingml/2006/main" name="Office 主题​​">
   <a:themeElements>
